--- a/picture/ppt/vitrualization/vitrualization.pptx
+++ b/picture/ppt/vitrualization/vitrualization.pptx
@@ -3474,7 +3474,7 @@
           </a:bodyPr>
           <a:p>
             <a:r>
-              <a:rPr lang="" altLang="zh-CN" sz="1015">
+              <a:rPr lang="en-US" altLang="zh-CN" sz="1015">
                 <a:ln>
                   <a:solidFill>
                     <a:srgbClr val="2C3E50"/>
@@ -3486,7 +3486,7 @@
               </a:rPr>
               <a:t>Full Virtualization</a:t>
             </a:r>
-            <a:endParaRPr lang="" altLang="zh-CN" sz="1015">
+            <a:endParaRPr lang="en-US" altLang="zh-CN" sz="1015">
               <a:ln>
                 <a:solidFill>
                   <a:srgbClr val="2C3E50"/>
@@ -3539,7 +3539,7 @@
           </a:bodyPr>
           <a:p>
             <a:r>
-              <a:rPr lang="" altLang="zh-CN" sz="1015">
+              <a:rPr lang="en-US" altLang="zh-CN" sz="1015">
                 <a:ln>
                   <a:solidFill>
                     <a:srgbClr val="2C3E50"/>
@@ -3548,7 +3548,7 @@
               </a:rPr>
               <a:t>Para Vitrualization</a:t>
             </a:r>
-            <a:endParaRPr lang="" altLang="zh-CN" sz="1015">
+            <a:endParaRPr lang="en-US" altLang="zh-CN" sz="1015">
               <a:ln>
                 <a:solidFill>
                   <a:srgbClr val="2C3E50"/>
@@ -3598,7 +3598,7 @@
           </a:bodyPr>
           <a:p>
             <a:r>
-              <a:rPr lang="" altLang="zh-CN" sz="1015">
+              <a:rPr lang="en-US" altLang="zh-CN" sz="1015">
                 <a:ln>
                   <a:solidFill>
                     <a:srgbClr val="2C3E50"/>
@@ -3610,7 +3610,7 @@
               </a:rPr>
               <a:t>Emulator</a:t>
             </a:r>
-            <a:endParaRPr lang="" altLang="zh-CN" sz="1015">
+            <a:endParaRPr lang="en-US" altLang="zh-CN" sz="1015">
               <a:ln>
                 <a:solidFill>
                   <a:srgbClr val="2C3E50"/>
@@ -3663,7 +3663,7 @@
           </a:bodyPr>
           <a:p>
             <a:r>
-              <a:rPr lang="" altLang="zh-CN" sz="1015">
+              <a:rPr lang="en-US" altLang="zh-CN" sz="1015">
                 <a:ln>
                   <a:solidFill>
                     <a:srgbClr val="2C3E50"/>
@@ -3675,7 +3675,7 @@
               </a:rPr>
               <a:t>Contrainer</a:t>
             </a:r>
-            <a:endParaRPr lang="" altLang="zh-CN" sz="1015">
+            <a:endParaRPr lang="en-US" altLang="zh-CN" sz="1015">
               <a:ln>
                 <a:solidFill>
                   <a:srgbClr val="2C3E50"/>
@@ -3728,7 +3728,7 @@
           </a:bodyPr>
           <a:p>
             <a:r>
-              <a:rPr lang="" altLang="zh-CN" sz="1015">
+              <a:rPr lang="en-US" altLang="zh-CN" sz="1015">
                 <a:ln>
                   <a:solidFill>
                     <a:srgbClr val="2C3E50"/>
@@ -3740,7 +3740,7 @@
               </a:rPr>
               <a:t>Library Vitrualization</a:t>
             </a:r>
-            <a:endParaRPr lang="" altLang="zh-CN" sz="1015">
+            <a:endParaRPr lang="en-US" altLang="zh-CN" sz="1015">
               <a:ln>
                 <a:solidFill>
                   <a:srgbClr val="2C3E50"/>
@@ -4007,7 +4007,7 @@
           <a:p>
             <a:pPr algn="l"/>
             <a:r>
-              <a:rPr lang="" altLang="zh-CN" sz="1000">
+              <a:rPr lang="en-US" altLang="zh-CN" sz="1000">
                 <a:ln>
                   <a:solidFill>
                     <a:srgbClr val="2C3E50"/>
@@ -4134,7 +4134,7 @@
           <a:p>
             <a:pPr algn="ctr"/>
             <a:r>
-              <a:rPr lang="" altLang="zh-CN" sz="1000">
+              <a:rPr lang="en-US" altLang="zh-CN" sz="1000">
                 <a:ln>
                   <a:solidFill>
                     <a:srgbClr val="2C3E50"/>
@@ -4146,7 +4146,7 @@
               </a:rPr>
               <a:t>2008年2月</a:t>
             </a:r>
-            <a:endParaRPr lang="" altLang="zh-CN" sz="1000">
+            <a:endParaRPr lang="en-US" altLang="zh-CN" sz="1000">
               <a:ln>
                 <a:solidFill>
                   <a:srgbClr val="2C3E50"/>
@@ -4196,7 +4196,7 @@
           <a:p>
             <a:pPr algn="l"/>
             <a:r>
-              <a:rPr lang="" altLang="zh-CN" sz="1000">
+              <a:rPr lang="en-US" altLang="zh-CN" sz="1000">
                 <a:ln>
                   <a:solidFill>
                     <a:srgbClr val="2C3E50"/>
@@ -4488,7 +4488,7 @@
               <a:t>200</a:t>
             </a:r>
             <a:r>
-              <a:rPr lang="" altLang="zh-CN" sz="1000">
+              <a:rPr lang="en-US" altLang="zh-CN" sz="1000">
                 <a:ln>
                   <a:solidFill>
                     <a:srgbClr val="2C3E50"/>
@@ -4514,7 +4514,7 @@
               <a:t>年</a:t>
             </a:r>
             <a:r>
-              <a:rPr lang="" altLang="zh-CN" sz="1000">
+              <a:rPr lang="en-US" altLang="zh-CN" sz="1000">
                 <a:ln>
                   <a:solidFill>
                     <a:srgbClr val="2C3E50"/>
@@ -4591,23 +4591,9 @@
                 </a:solidFill>
                 <a:sym typeface="+mn-ea"/>
               </a:rPr>
-              <a:t>qemu-kvm</a:t>
-            </a:r>
-            <a:r>
-              <a:rPr lang="" altLang="en-US" sz="1000">
-                <a:ln>
-                  <a:solidFill>
-                    <a:srgbClr val="2C3E50"/>
-                  </a:solidFill>
-                </a:ln>
-                <a:solidFill>
-                  <a:srgbClr val="202020"/>
-                </a:solidFill>
-                <a:sym typeface="+mn-ea"/>
-              </a:rPr>
-              <a:t>分支</a:t>
-            </a:r>
-            <a:endParaRPr lang="" altLang="en-US" sz="1000">
+              <a:t>qemu-kvm分支</a:t>
+            </a:r>
+            <a:endParaRPr lang="en-US" altLang="en-US" sz="1000">
               <a:ln>
                 <a:solidFill>
                   <a:srgbClr val="2C3E50"/>
@@ -4671,6 +4657,45 @@
               <a:t>201</a:t>
             </a:r>
             <a:r>
+              <a:rPr lang="en-US" altLang="en-US" sz="1000">
+                <a:ln>
+                  <a:solidFill>
+                    <a:srgbClr val="2C3E50"/>
+                  </a:solidFill>
+                </a:ln>
+                <a:solidFill>
+                  <a:srgbClr val="202020"/>
+                </a:solidFill>
+              </a:rPr>
+              <a:t>2</a:t>
+            </a:r>
+            <a:r>
+              <a:rPr lang="en-US" altLang="zh-CN" sz="1000">
+                <a:ln>
+                  <a:solidFill>
+                    <a:srgbClr val="2C3E50"/>
+                  </a:solidFill>
+                </a:ln>
+                <a:solidFill>
+                  <a:srgbClr val="202020"/>
+                </a:solidFill>
+              </a:rPr>
+              <a:t>年</a:t>
+            </a:r>
+            <a:r>
+              <a:rPr lang="en-US" altLang="en-US" sz="1000">
+                <a:ln>
+                  <a:solidFill>
+                    <a:srgbClr val="2C3E50"/>
+                  </a:solidFill>
+                </a:ln>
+                <a:solidFill>
+                  <a:srgbClr val="202020"/>
+                </a:solidFill>
+              </a:rPr>
+              <a:t>1</a:t>
+            </a:r>
+            <a:r>
               <a:rPr lang="" altLang="en-US" sz="1000">
                 <a:ln>
                   <a:solidFill>
@@ -4681,7 +4706,7 @@
                   <a:srgbClr val="202020"/>
                 </a:solidFill>
               </a:rPr>
-              <a:t>2</a:t>
+              <a:t>1</a:t>
             </a:r>
             <a:r>
               <a:rPr lang="en-US" altLang="zh-CN" sz="1000">
@@ -4694,32 +4719,6 @@
                   <a:srgbClr val="202020"/>
                 </a:solidFill>
               </a:rPr>
-              <a:t>年</a:t>
-            </a:r>
-            <a:r>
-              <a:rPr lang="" altLang="en-US" sz="1000">
-                <a:ln>
-                  <a:solidFill>
-                    <a:srgbClr val="2C3E50"/>
-                  </a:solidFill>
-                </a:ln>
-                <a:solidFill>
-                  <a:srgbClr val="202020"/>
-                </a:solidFill>
-              </a:rPr>
-              <a:t>10</a:t>
-            </a:r>
-            <a:r>
-              <a:rPr lang="en-US" altLang="zh-CN" sz="1000">
-                <a:ln>
-                  <a:solidFill>
-                    <a:srgbClr val="2C3E50"/>
-                  </a:solidFill>
-                </a:ln>
-                <a:solidFill>
-                  <a:srgbClr val="202020"/>
-                </a:solidFill>
-              </a:rPr>
               <a:t>月</a:t>
             </a:r>
             <a:endParaRPr lang="en-US" altLang="zh-CN" sz="1000">
@@ -4743,8 +4742,8 @@
         </p:nvSpPr>
         <p:spPr>
           <a:xfrm>
-            <a:off x="2695615" y="4839484"/>
-            <a:ext cx="1664970" cy="245110"/>
+            <a:off x="2695575" y="4839335"/>
+            <a:ext cx="2078990" cy="245110"/>
           </a:xfrm>
           <a:prstGeom prst="rect">
             <a:avLst/>
@@ -4757,7 +4756,7 @@
           </a:ln>
         </p:spPr>
         <p:txBody>
-          <a:bodyPr wrap="none" rtlCol="0">
+          <a:bodyPr wrap="square" rtlCol="0">
             <a:spAutoFit/>
           </a:bodyPr>
           <a:p>
@@ -4774,7 +4773,7 @@
                 </a:solidFill>
                 <a:sym typeface="+mn-ea"/>
               </a:rPr>
-              <a:t>qemu-kvm分支</a:t>
+              <a:t>qemu-kvm分支合入</a:t>
             </a:r>
             <a:r>
               <a:rPr lang="" altLang="en-US" sz="1000">
@@ -4788,9 +4787,23 @@
                 </a:solidFill>
                 <a:sym typeface="+mn-ea"/>
               </a:rPr>
-              <a:t>合入主分支</a:t>
-            </a:r>
-            <a:endParaRPr lang="" altLang="en-US" sz="1000">
+              <a:t>qemu</a:t>
+            </a:r>
+            <a:r>
+              <a:rPr lang="en-US" altLang="en-US" sz="1000">
+                <a:ln>
+                  <a:solidFill>
+                    <a:srgbClr val="2C3E50"/>
+                  </a:solidFill>
+                </a:ln>
+                <a:solidFill>
+                  <a:srgbClr val="202020"/>
+                </a:solidFill>
+                <a:sym typeface="+mn-ea"/>
+              </a:rPr>
+              <a:t>主分支</a:t>
+            </a:r>
+            <a:endParaRPr lang="en-US" altLang="en-US" sz="1000">
               <a:ln>
                 <a:solidFill>
                   <a:srgbClr val="2C3E50"/>
@@ -5093,7 +5106,7 @@
               <a:t>20</a:t>
             </a:r>
             <a:r>
-              <a:rPr lang="" altLang="en-US" sz="1000">
+              <a:rPr lang="en-US" altLang="en-US" sz="1000">
                 <a:ln>
                   <a:solidFill>
                     <a:srgbClr val="2C3E50"/>
@@ -5119,7 +5132,7 @@
               <a:t>年</a:t>
             </a:r>
             <a:r>
-              <a:rPr lang="" altLang="en-US" sz="1000">
+              <a:rPr lang="en-US" altLang="en-US" sz="1000">
                 <a:ln>
                   <a:solidFill>
                     <a:srgbClr val="2C3E50"/>
@@ -5194,7 +5207,7 @@
           <a:p>
             <a:pPr algn="l"/>
             <a:r>
-              <a:rPr lang="" altLang="en-US" sz="1000">
+              <a:rPr lang="en-US" altLang="en-US" sz="1000">
                 <a:ln>
                   <a:solidFill>
                     <a:srgbClr val="2C3E50"/>
@@ -5206,7 +5219,7 @@
               </a:rPr>
               <a:t>libvirt-v0.3.2开始支持KVM</a:t>
             </a:r>
-            <a:endParaRPr lang="" altLang="en-US" sz="1000">
+            <a:endParaRPr lang="en-US" altLang="en-US" sz="1000">
               <a:ln>
                 <a:solidFill>
                   <a:srgbClr val="2C3E50"/>
